--- a/prototipe.pptx
+++ b/prototipe.pptx
@@ -3196,6 +3196,42 @@
               <a:t>Login</a:t>
             </a:r>
             <a:endParaRPr lang="id-ID" dirty="0">
+              <a:latin typeface="Roboto Light" panose="02000000000000000000" pitchFamily="2" charset="0"/>
+              <a:ea typeface="Roboto Light" panose="02000000000000000000" pitchFamily="2" charset="0"/>
+            </a:endParaRPr>
+          </a:p>
+        </p:txBody>
+      </p:sp>
+      <p:sp>
+        <p:nvSpPr>
+          <p:cNvPr id="2" name="TextBox 1"/>
+          <p:cNvSpPr txBox="1"/>
+          <p:nvPr/>
+        </p:nvSpPr>
+        <p:spPr>
+          <a:xfrm>
+            <a:off x="4623516" y="1885836"/>
+            <a:ext cx="3155324" cy="707886"/>
+          </a:xfrm>
+          <a:prstGeom prst="rect">
+            <a:avLst/>
+          </a:prstGeom>
+          <a:noFill/>
+        </p:spPr>
+        <p:txBody>
+          <a:bodyPr wrap="square" rtlCol="0">
+            <a:spAutoFit/>
+          </a:bodyPr>
+          <a:lstStyle/>
+          <a:p>
+            <a:r>
+              <a:rPr lang="id-ID" sz="4000" b="1" dirty="0" smtClean="0">
+                <a:latin typeface="Roboto Light" panose="02000000000000000000" pitchFamily="2" charset="0"/>
+                <a:ea typeface="Roboto Light" panose="02000000000000000000" pitchFamily="2" charset="0"/>
+              </a:rPr>
+              <a:t>SITAMPOL</a:t>
+            </a:r>
+            <a:endParaRPr lang="id-ID" sz="4000" b="1" dirty="0">
               <a:latin typeface="Roboto Light" panose="02000000000000000000" pitchFamily="2" charset="0"/>
               <a:ea typeface="Roboto Light" panose="02000000000000000000" pitchFamily="2" charset="0"/>
             </a:endParaRPr>
@@ -5574,6 +5610,13 @@
   <p:clrMapOvr>
     <a:masterClrMapping/>
   </p:clrMapOvr>
+  <p:timing>
+    <p:tnLst>
+      <p:par>
+        <p:cTn id="1" dur="indefinite" restart="never" nodeType="tmRoot"/>
+      </p:par>
+    </p:tnLst>
+  </p:timing>
 </p:sld>
 </file>
 
@@ -6263,6 +6306,13 @@
   <p:clrMapOvr>
     <a:masterClrMapping/>
   </p:clrMapOvr>
+  <p:timing>
+    <p:tnLst>
+      <p:par>
+        <p:cTn id="1" dur="indefinite" restart="never" nodeType="tmRoot"/>
+      </p:par>
+    </p:tnLst>
+  </p:timing>
 </p:sld>
 </file>
 
@@ -6483,7 +6533,17 @@
                 <a:latin typeface="Roboto Light" panose="02000000000000000000" pitchFamily="2" charset="0"/>
                 <a:ea typeface="Roboto Light" panose="02000000000000000000" pitchFamily="2" charset="0"/>
               </a:rPr>
-              <a:t>Obat penghilang jamur</a:t>
+              <a:t>Obat </a:t>
+            </a:r>
+            <a:r>
+              <a:rPr lang="id-ID" dirty="0" smtClean="0">
+                <a:solidFill>
+                  <a:schemeClr val="tx1"/>
+                </a:solidFill>
+                <a:latin typeface="Roboto Light" panose="02000000000000000000" pitchFamily="2" charset="0"/>
+                <a:ea typeface="Roboto Light" panose="02000000000000000000" pitchFamily="2" charset="0"/>
+              </a:rPr>
+              <a:t>kuat</a:t>
             </a:r>
             <a:endParaRPr lang="id-ID" dirty="0">
               <a:solidFill>
@@ -6891,10 +6951,6 @@
               </a:rPr>
               <a:t>Nama Barang</a:t>
             </a:r>
-            <a:endParaRPr lang="id-ID" dirty="0">
-              <a:latin typeface="Roboto Light" panose="02000000000000000000" pitchFamily="2" charset="0"/>
-              <a:ea typeface="Roboto Light" panose="02000000000000000000" pitchFamily="2" charset="0"/>
-            </a:endParaRPr>
           </a:p>
         </p:txBody>
       </p:sp>
@@ -7127,6 +7183,13 @@
   <p:clrMapOvr>
     <a:masterClrMapping/>
   </p:clrMapOvr>
+  <p:timing>
+    <p:tnLst>
+      <p:par>
+        <p:cTn id="1" dur="indefinite" restart="never" nodeType="tmRoot"/>
+      </p:par>
+    </p:tnLst>
+  </p:timing>
 </p:sld>
 </file>
 
@@ -7404,10 +7467,6 @@
               </a:rPr>
               <a:t>Nama Barang</a:t>
             </a:r>
-            <a:endParaRPr lang="id-ID" dirty="0">
-              <a:latin typeface="Roboto Light" panose="02000000000000000000" pitchFamily="2" charset="0"/>
-              <a:ea typeface="Roboto Light" panose="02000000000000000000" pitchFamily="2" charset="0"/>
-            </a:endParaRPr>
           </a:p>
         </p:txBody>
       </p:sp>
@@ -7544,6 +7603,304 @@
               <a:latin typeface="Roboto Light" panose="02000000000000000000" pitchFamily="2" charset="0"/>
               <a:ea typeface="Roboto Light" panose="02000000000000000000" pitchFamily="2" charset="0"/>
             </a:endParaRPr>
+          </a:p>
+        </p:txBody>
+      </p:sp>
+      <p:sp>
+        <p:nvSpPr>
+          <p:cNvPr id="11" name="Rectangle 10"/>
+          <p:cNvSpPr/>
+          <p:nvPr/>
+        </p:nvSpPr>
+        <p:spPr>
+          <a:xfrm>
+            <a:off x="0" y="0"/>
+            <a:ext cx="12192000" cy="972356"/>
+          </a:xfrm>
+          <a:prstGeom prst="rect">
+            <a:avLst/>
+          </a:prstGeom>
+        </p:spPr>
+        <p:style>
+          <a:lnRef idx="2">
+            <a:schemeClr val="accent6">
+              <a:shade val="50000"/>
+            </a:schemeClr>
+          </a:lnRef>
+          <a:fillRef idx="1">
+            <a:schemeClr val="accent6"/>
+          </a:fillRef>
+          <a:effectRef idx="0">
+            <a:schemeClr val="accent6"/>
+          </a:effectRef>
+          <a:fontRef idx="minor">
+            <a:schemeClr val="lt1"/>
+          </a:fontRef>
+        </p:style>
+        <p:txBody>
+          <a:bodyPr rtlCol="0" anchor="ctr"/>
+          <a:lstStyle/>
+          <a:p>
+            <a:pPr algn="ctr"/>
+            <a:endParaRPr lang="id-ID" sz="1400" dirty="0"/>
+          </a:p>
+        </p:txBody>
+      </p:sp>
+      <p:sp>
+        <p:nvSpPr>
+          <p:cNvPr id="14" name="Isosceles Triangle 13"/>
+          <p:cNvSpPr/>
+          <p:nvPr/>
+        </p:nvSpPr>
+        <p:spPr>
+          <a:xfrm flipV="1">
+            <a:off x="2859873" y="260350"/>
+            <a:ext cx="101154" cy="114300"/>
+          </a:xfrm>
+          <a:prstGeom prst="triangle">
+            <a:avLst/>
+          </a:prstGeom>
+        </p:spPr>
+        <p:style>
+          <a:lnRef idx="2">
+            <a:schemeClr val="dk1"/>
+          </a:lnRef>
+          <a:fillRef idx="1">
+            <a:schemeClr val="lt1"/>
+          </a:fillRef>
+          <a:effectRef idx="0">
+            <a:schemeClr val="dk1"/>
+          </a:effectRef>
+          <a:fontRef idx="minor">
+            <a:schemeClr val="dk1"/>
+          </a:fontRef>
+        </p:style>
+        <p:txBody>
+          <a:bodyPr rtlCol="0" anchor="ctr"/>
+          <a:lstStyle/>
+          <a:p>
+            <a:pPr algn="ctr"/>
+            <a:endParaRPr lang="id-ID"/>
+          </a:p>
+        </p:txBody>
+      </p:sp>
+      <p:sp>
+        <p:nvSpPr>
+          <p:cNvPr id="16" name="Rectangle 15"/>
+          <p:cNvSpPr/>
+          <p:nvPr/>
+        </p:nvSpPr>
+        <p:spPr>
+          <a:xfrm>
+            <a:off x="3146737" y="157094"/>
+            <a:ext cx="3473003" cy="307777"/>
+          </a:xfrm>
+          <a:prstGeom prst="rect">
+            <a:avLst/>
+          </a:prstGeom>
+        </p:spPr>
+        <p:style>
+          <a:lnRef idx="2">
+            <a:schemeClr val="dk1"/>
+          </a:lnRef>
+          <a:fillRef idx="1">
+            <a:schemeClr val="lt1"/>
+          </a:fillRef>
+          <a:effectRef idx="0">
+            <a:schemeClr val="dk1"/>
+          </a:effectRef>
+          <a:fontRef idx="minor">
+            <a:schemeClr val="dk1"/>
+          </a:fontRef>
+        </p:style>
+        <p:txBody>
+          <a:bodyPr rtlCol="0" anchor="ctr"/>
+          <a:lstStyle/>
+          <a:p>
+            <a:pPr algn="ctr"/>
+            <a:r>
+              <a:rPr lang="id-ID" sz="1400" dirty="0" smtClean="0">
+                <a:solidFill>
+                  <a:schemeClr val="bg1">
+                    <a:lumMod val="75000"/>
+                  </a:schemeClr>
+                </a:solidFill>
+                <a:latin typeface="Roboto Light" panose="02000000000000000000" pitchFamily="2" charset="0"/>
+                <a:ea typeface="Roboto Light" panose="02000000000000000000" pitchFamily="2" charset="0"/>
+              </a:rPr>
+              <a:t>Cari</a:t>
+            </a:r>
+            <a:endParaRPr lang="id-ID" sz="1400" dirty="0">
+              <a:solidFill>
+                <a:schemeClr val="bg1">
+                  <a:lumMod val="75000"/>
+                </a:schemeClr>
+              </a:solidFill>
+              <a:latin typeface="Roboto Light" panose="02000000000000000000" pitchFamily="2" charset="0"/>
+              <a:ea typeface="Roboto Light" panose="02000000000000000000" pitchFamily="2" charset="0"/>
+            </a:endParaRPr>
+          </a:p>
+        </p:txBody>
+      </p:sp>
+      <p:sp>
+        <p:nvSpPr>
+          <p:cNvPr id="17" name="TextBox 16"/>
+          <p:cNvSpPr txBox="1"/>
+          <p:nvPr/>
+        </p:nvSpPr>
+        <p:spPr>
+          <a:xfrm>
+            <a:off x="2070316" y="157094"/>
+            <a:ext cx="846707" cy="307777"/>
+          </a:xfrm>
+          <a:prstGeom prst="rect">
+            <a:avLst/>
+          </a:prstGeom>
+          <a:noFill/>
+        </p:spPr>
+        <p:txBody>
+          <a:bodyPr wrap="none" rtlCol="0">
+            <a:spAutoFit/>
+          </a:bodyPr>
+          <a:lstStyle/>
+          <a:p>
+            <a:r>
+              <a:rPr lang="id-ID" sz="1400" dirty="0" smtClean="0">
+                <a:solidFill>
+                  <a:schemeClr val="bg1"/>
+                </a:solidFill>
+                <a:latin typeface="Roboto Light" panose="02000000000000000000" pitchFamily="2" charset="0"/>
+                <a:ea typeface="Roboto Light" panose="02000000000000000000" pitchFamily="2" charset="0"/>
+              </a:rPr>
+              <a:t>Kategori</a:t>
+            </a:r>
+            <a:endParaRPr lang="id-ID" sz="1400" dirty="0">
+              <a:solidFill>
+                <a:schemeClr val="bg1"/>
+              </a:solidFill>
+              <a:latin typeface="Roboto Light" panose="02000000000000000000" pitchFamily="2" charset="0"/>
+              <a:ea typeface="Roboto Light" panose="02000000000000000000" pitchFamily="2" charset="0"/>
+            </a:endParaRPr>
+          </a:p>
+        </p:txBody>
+      </p:sp>
+      <p:sp>
+        <p:nvSpPr>
+          <p:cNvPr id="18" name="TextBox 17"/>
+          <p:cNvSpPr txBox="1"/>
+          <p:nvPr/>
+        </p:nvSpPr>
+        <p:spPr>
+          <a:xfrm>
+            <a:off x="7881871" y="157094"/>
+            <a:ext cx="1872629" cy="307777"/>
+          </a:xfrm>
+          <a:prstGeom prst="rect">
+            <a:avLst/>
+          </a:prstGeom>
+          <a:noFill/>
+        </p:spPr>
+        <p:txBody>
+          <a:bodyPr wrap="none" rtlCol="0">
+            <a:spAutoFit/>
+          </a:bodyPr>
+          <a:lstStyle/>
+          <a:p>
+            <a:r>
+              <a:rPr lang="id-ID" sz="1400" dirty="0" smtClean="0">
+                <a:solidFill>
+                  <a:schemeClr val="bg1"/>
+                </a:solidFill>
+                <a:latin typeface="Roboto Light" panose="02000000000000000000" pitchFamily="2" charset="0"/>
+                <a:ea typeface="Roboto Light" panose="02000000000000000000" pitchFamily="2" charset="0"/>
+              </a:rPr>
+              <a:t>Lihat status transaksi</a:t>
+            </a:r>
+            <a:endParaRPr lang="id-ID" sz="1400" dirty="0">
+              <a:solidFill>
+                <a:schemeClr val="bg1"/>
+              </a:solidFill>
+              <a:latin typeface="Roboto Light" panose="02000000000000000000" pitchFamily="2" charset="0"/>
+              <a:ea typeface="Roboto Light" panose="02000000000000000000" pitchFamily="2" charset="0"/>
+            </a:endParaRPr>
+          </a:p>
+        </p:txBody>
+      </p:sp>
+      <p:sp>
+        <p:nvSpPr>
+          <p:cNvPr id="19" name="Rounded Rectangle 18"/>
+          <p:cNvSpPr/>
+          <p:nvPr/>
+        </p:nvSpPr>
+        <p:spPr>
+          <a:xfrm>
+            <a:off x="11410682" y="167425"/>
+            <a:ext cx="592428" cy="544132"/>
+          </a:xfrm>
+          <a:prstGeom prst="roundRect">
+            <a:avLst/>
+          </a:prstGeom>
+        </p:spPr>
+        <p:style>
+          <a:lnRef idx="2">
+            <a:schemeClr val="accent4">
+              <a:shade val="50000"/>
+            </a:schemeClr>
+          </a:lnRef>
+          <a:fillRef idx="1">
+            <a:schemeClr val="accent4"/>
+          </a:fillRef>
+          <a:effectRef idx="0">
+            <a:schemeClr val="accent4"/>
+          </a:effectRef>
+          <a:fontRef idx="minor">
+            <a:schemeClr val="lt1"/>
+          </a:fontRef>
+        </p:style>
+        <p:txBody>
+          <a:bodyPr rtlCol="0" anchor="ctr"/>
+          <a:lstStyle/>
+          <a:p>
+            <a:pPr algn="ctr"/>
+            <a:endParaRPr lang="id-ID"/>
+          </a:p>
+        </p:txBody>
+      </p:sp>
+      <p:sp>
+        <p:nvSpPr>
+          <p:cNvPr id="20" name="5-Point Star 19"/>
+          <p:cNvSpPr/>
+          <p:nvPr/>
+        </p:nvSpPr>
+        <p:spPr>
+          <a:xfrm>
+            <a:off x="11539470" y="289774"/>
+            <a:ext cx="321972" cy="296214"/>
+          </a:xfrm>
+          <a:prstGeom prst="star5">
+            <a:avLst/>
+          </a:prstGeom>
+        </p:spPr>
+        <p:style>
+          <a:lnRef idx="1">
+            <a:schemeClr val="dk1"/>
+          </a:lnRef>
+          <a:fillRef idx="3">
+            <a:schemeClr val="dk1"/>
+          </a:fillRef>
+          <a:effectRef idx="2">
+            <a:schemeClr val="dk1"/>
+          </a:effectRef>
+          <a:fontRef idx="minor">
+            <a:schemeClr val="lt1"/>
+          </a:fontRef>
+        </p:style>
+        <p:txBody>
+          <a:bodyPr rtlCol="0" anchor="ctr"/>
+          <a:lstStyle/>
+          <a:p>
+            <a:pPr algn="ctr"/>
+            <a:endParaRPr lang="id-ID"/>
           </a:p>
         </p:txBody>
       </p:sp>
@@ -7557,6 +7914,13 @@
   <p:clrMapOvr>
     <a:masterClrMapping/>
   </p:clrMapOvr>
+  <p:timing>
+    <p:tnLst>
+      <p:par>
+        <p:cTn id="1" dur="indefinite" restart="never" nodeType="tmRoot"/>
+      </p:par>
+    </p:tnLst>
+  </p:timing>
 </p:sld>
 </file>
 
@@ -8152,6 +8516,13 @@
   <p:clrMapOvr>
     <a:masterClrMapping/>
   </p:clrMapOvr>
+  <p:timing>
+    <p:tnLst>
+      <p:par>
+        <p:cTn id="1" dur="indefinite" restart="never" nodeType="tmRoot"/>
+      </p:par>
+    </p:tnLst>
+  </p:timing>
 </p:sld>
 </file>
 
@@ -9370,14 +9741,14 @@
           <p:nvPr>
             <p:extLst>
               <p:ext uri="{D42A27DB-BD31-4B8C-83A1-F6EECF244321}">
-                <p14:modId xmlns:p14="http://schemas.microsoft.com/office/powerpoint/2010/main" val="2637704508"/>
+                <p14:modId xmlns:p14="http://schemas.microsoft.com/office/powerpoint/2010/main" val="1106018960"/>
               </p:ext>
             </p:extLst>
           </p:nvPr>
         </p:nvGraphicFramePr>
         <p:xfrm>
-          <a:off x="167420" y="1569671"/>
-          <a:ext cx="11835690" cy="1112520"/>
+          <a:off x="167421" y="1569671"/>
+          <a:ext cx="12024580" cy="1112520"/>
         </p:xfrm>
         <a:graphic>
           <a:graphicData uri="http://schemas.openxmlformats.org/drawingml/2006/table">
@@ -9386,16 +9757,16 @@
                 <a:tableStyleId>{5C22544A-7EE6-4342-B048-85BDC9FD1C3A}</a:tableStyleId>
               </a:tblPr>
               <a:tblGrid>
-                <a:gridCol w="1183569"/>
-                <a:gridCol w="1353574"/>
-                <a:gridCol w="1223493"/>
-                <a:gridCol w="1313645"/>
-                <a:gridCol w="1378040"/>
-                <a:gridCol w="649093"/>
-                <a:gridCol w="574400"/>
-                <a:gridCol w="1171977"/>
-                <a:gridCol w="1120462"/>
-                <a:gridCol w="1867437"/>
+                <a:gridCol w="1148710"/>
+                <a:gridCol w="1313708"/>
+                <a:gridCol w="1187458"/>
+                <a:gridCol w="1274955"/>
+                <a:gridCol w="1337453"/>
+                <a:gridCol w="629976"/>
+                <a:gridCol w="557482"/>
+                <a:gridCol w="1137459"/>
+                <a:gridCol w="1087462"/>
+                <a:gridCol w="2349917"/>
               </a:tblGrid>
               <a:tr h="370840">
                 <a:tc>
@@ -9405,10 +9776,16 @@
                     <a:p>
                       <a:pPr algn="ctr"/>
                       <a:r>
-                        <a:rPr lang="id-ID" dirty="0" smtClean="0"/>
+                        <a:rPr lang="id-ID" sz="1600" dirty="0" smtClean="0">
+                          <a:latin typeface="Roboto Light" panose="02000000000000000000" pitchFamily="2" charset="0"/>
+                          <a:ea typeface="Roboto Light" panose="02000000000000000000" pitchFamily="2" charset="0"/>
+                        </a:rPr>
                         <a:t>Nama</a:t>
                       </a:r>
-                      <a:endParaRPr lang="id-ID" dirty="0"/>
+                      <a:endParaRPr lang="id-ID" sz="1600" dirty="0">
+                        <a:latin typeface="Roboto Light" panose="02000000000000000000" pitchFamily="2" charset="0"/>
+                        <a:ea typeface="Roboto Light" panose="02000000000000000000" pitchFamily="2" charset="0"/>
+                      </a:endParaRPr>
                     </a:p>
                   </a:txBody>
                   <a:tcPr/>
@@ -9420,10 +9797,16 @@
                     <a:p>
                       <a:pPr algn="ctr"/>
                       <a:r>
-                        <a:rPr lang="id-ID" dirty="0" smtClean="0"/>
+                        <a:rPr lang="id-ID" sz="1600" dirty="0" smtClean="0">
+                          <a:latin typeface="Roboto Light" panose="02000000000000000000" pitchFamily="2" charset="0"/>
+                          <a:ea typeface="Roboto Light" panose="02000000000000000000" pitchFamily="2" charset="0"/>
+                        </a:rPr>
                         <a:t>Provinsi</a:t>
                       </a:r>
-                      <a:endParaRPr lang="id-ID" dirty="0"/>
+                      <a:endParaRPr lang="id-ID" sz="1600" dirty="0">
+                        <a:latin typeface="Roboto Light" panose="02000000000000000000" pitchFamily="2" charset="0"/>
+                        <a:ea typeface="Roboto Light" panose="02000000000000000000" pitchFamily="2" charset="0"/>
+                      </a:endParaRPr>
                     </a:p>
                   </a:txBody>
                   <a:tcPr/>
@@ -9435,10 +9818,16 @@
                     <a:p>
                       <a:pPr algn="ctr"/>
                       <a:r>
-                        <a:rPr lang="id-ID" dirty="0" smtClean="0"/>
+                        <a:rPr lang="id-ID" sz="1600" dirty="0" smtClean="0">
+                          <a:latin typeface="Roboto Light" panose="02000000000000000000" pitchFamily="2" charset="0"/>
+                          <a:ea typeface="Roboto Light" panose="02000000000000000000" pitchFamily="2" charset="0"/>
+                        </a:rPr>
                         <a:t>Kota/Kab</a:t>
                       </a:r>
-                      <a:endParaRPr lang="id-ID" dirty="0"/>
+                      <a:endParaRPr lang="id-ID" sz="1600" dirty="0">
+                        <a:latin typeface="Roboto Light" panose="02000000000000000000" pitchFamily="2" charset="0"/>
+                        <a:ea typeface="Roboto Light" panose="02000000000000000000" pitchFamily="2" charset="0"/>
+                      </a:endParaRPr>
                     </a:p>
                   </a:txBody>
                   <a:tcPr/>
@@ -9450,10 +9839,16 @@
                     <a:p>
                       <a:pPr algn="ctr"/>
                       <a:r>
-                        <a:rPr lang="id-ID" dirty="0" smtClean="0"/>
+                        <a:rPr lang="id-ID" sz="1600" dirty="0" smtClean="0">
+                          <a:latin typeface="Roboto Light" panose="02000000000000000000" pitchFamily="2" charset="0"/>
+                          <a:ea typeface="Roboto Light" panose="02000000000000000000" pitchFamily="2" charset="0"/>
+                        </a:rPr>
                         <a:t>Kecamatan</a:t>
                       </a:r>
-                      <a:endParaRPr lang="id-ID" dirty="0"/>
+                      <a:endParaRPr lang="id-ID" sz="1600" dirty="0">
+                        <a:latin typeface="Roboto Light" panose="02000000000000000000" pitchFamily="2" charset="0"/>
+                        <a:ea typeface="Roboto Light" panose="02000000000000000000" pitchFamily="2" charset="0"/>
+                      </a:endParaRPr>
                     </a:p>
                   </a:txBody>
                   <a:tcPr/>
@@ -9465,10 +9860,16 @@
                     <a:p>
                       <a:pPr algn="ctr"/>
                       <a:r>
-                        <a:rPr lang="id-ID" dirty="0" smtClean="0"/>
+                        <a:rPr lang="id-ID" sz="1600" dirty="0" smtClean="0">
+                          <a:latin typeface="Roboto Light" panose="02000000000000000000" pitchFamily="2" charset="0"/>
+                          <a:ea typeface="Roboto Light" panose="02000000000000000000" pitchFamily="2" charset="0"/>
+                        </a:rPr>
                         <a:t>Kel/Desa</a:t>
                       </a:r>
-                      <a:endParaRPr lang="id-ID" dirty="0"/>
+                      <a:endParaRPr lang="id-ID" sz="1600" dirty="0">
+                        <a:latin typeface="Roboto Light" panose="02000000000000000000" pitchFamily="2" charset="0"/>
+                        <a:ea typeface="Roboto Light" panose="02000000000000000000" pitchFamily="2" charset="0"/>
+                      </a:endParaRPr>
                     </a:p>
                   </a:txBody>
                   <a:tcPr/>
@@ -9480,10 +9881,16 @@
                     <a:p>
                       <a:pPr algn="ctr"/>
                       <a:r>
-                        <a:rPr lang="id-ID" dirty="0" smtClean="0"/>
+                        <a:rPr lang="id-ID" sz="1600" dirty="0" smtClean="0">
+                          <a:latin typeface="Roboto Light" panose="02000000000000000000" pitchFamily="2" charset="0"/>
+                          <a:ea typeface="Roboto Light" panose="02000000000000000000" pitchFamily="2" charset="0"/>
+                        </a:rPr>
                         <a:t>RT</a:t>
                       </a:r>
-                      <a:endParaRPr lang="id-ID" dirty="0"/>
+                      <a:endParaRPr lang="id-ID" sz="1600" dirty="0">
+                        <a:latin typeface="Roboto Light" panose="02000000000000000000" pitchFamily="2" charset="0"/>
+                        <a:ea typeface="Roboto Light" panose="02000000000000000000" pitchFamily="2" charset="0"/>
+                      </a:endParaRPr>
                     </a:p>
                   </a:txBody>
                   <a:tcPr/>
@@ -9495,10 +9902,16 @@
                     <a:p>
                       <a:pPr algn="ctr"/>
                       <a:r>
-                        <a:rPr lang="id-ID" dirty="0" smtClean="0"/>
+                        <a:rPr lang="id-ID" sz="1600" dirty="0" smtClean="0">
+                          <a:latin typeface="Roboto Light" panose="02000000000000000000" pitchFamily="2" charset="0"/>
+                          <a:ea typeface="Roboto Light" panose="02000000000000000000" pitchFamily="2" charset="0"/>
+                        </a:rPr>
                         <a:t>RW</a:t>
                       </a:r>
-                      <a:endParaRPr lang="id-ID" dirty="0"/>
+                      <a:endParaRPr lang="id-ID" sz="1600" dirty="0">
+                        <a:latin typeface="Roboto Light" panose="02000000000000000000" pitchFamily="2" charset="0"/>
+                        <a:ea typeface="Roboto Light" panose="02000000000000000000" pitchFamily="2" charset="0"/>
+                      </a:endParaRPr>
                     </a:p>
                   </a:txBody>
                   <a:tcPr/>
@@ -9510,10 +9923,16 @@
                     <a:p>
                       <a:pPr algn="ctr"/>
                       <a:r>
-                        <a:rPr lang="id-ID" dirty="0" smtClean="0"/>
+                        <a:rPr lang="id-ID" sz="1600" dirty="0" smtClean="0">
+                          <a:latin typeface="Roboto Light" panose="02000000000000000000" pitchFamily="2" charset="0"/>
+                          <a:ea typeface="Roboto Light" panose="02000000000000000000" pitchFamily="2" charset="0"/>
+                        </a:rPr>
                         <a:t>Username</a:t>
                       </a:r>
-                      <a:endParaRPr lang="id-ID" dirty="0"/>
+                      <a:endParaRPr lang="id-ID" sz="1600" dirty="0">
+                        <a:latin typeface="Roboto Light" panose="02000000000000000000" pitchFamily="2" charset="0"/>
+                        <a:ea typeface="Roboto Light" panose="02000000000000000000" pitchFamily="2" charset="0"/>
+                      </a:endParaRPr>
                     </a:p>
                   </a:txBody>
                   <a:tcPr/>
@@ -9525,10 +9944,16 @@
                     <a:p>
                       <a:pPr algn="ctr"/>
                       <a:r>
-                        <a:rPr lang="id-ID" dirty="0" smtClean="0"/>
+                        <a:rPr lang="id-ID" sz="1600" dirty="0" smtClean="0">
+                          <a:latin typeface="Roboto Light" panose="02000000000000000000" pitchFamily="2" charset="0"/>
+                          <a:ea typeface="Roboto Light" panose="02000000000000000000" pitchFamily="2" charset="0"/>
+                        </a:rPr>
                         <a:t>Password</a:t>
                       </a:r>
-                      <a:endParaRPr lang="id-ID" dirty="0"/>
+                      <a:endParaRPr lang="id-ID" sz="1600" dirty="0">
+                        <a:latin typeface="Roboto Light" panose="02000000000000000000" pitchFamily="2" charset="0"/>
+                        <a:ea typeface="Roboto Light" panose="02000000000000000000" pitchFamily="2" charset="0"/>
+                      </a:endParaRPr>
                     </a:p>
                   </a:txBody>
                   <a:tcPr/>
@@ -9540,10 +9965,16 @@
                     <a:p>
                       <a:pPr algn="ctr"/>
                       <a:r>
-                        <a:rPr lang="id-ID" dirty="0" smtClean="0"/>
+                        <a:rPr lang="id-ID" sz="1600" dirty="0" smtClean="0">
+                          <a:latin typeface="Roboto Light" panose="02000000000000000000" pitchFamily="2" charset="0"/>
+                          <a:ea typeface="Roboto Light" panose="02000000000000000000" pitchFamily="2" charset="0"/>
+                        </a:rPr>
                         <a:t>Tindakan</a:t>
                       </a:r>
-                      <a:endParaRPr lang="id-ID" dirty="0"/>
+                      <a:endParaRPr lang="id-ID" sz="1600" dirty="0">
+                        <a:latin typeface="Roboto Light" panose="02000000000000000000" pitchFamily="2" charset="0"/>
+                        <a:ea typeface="Roboto Light" panose="02000000000000000000" pitchFamily="2" charset="0"/>
+                      </a:endParaRPr>
                     </a:p>
                   </a:txBody>
                   <a:tcPr/>
@@ -9555,7 +9986,10 @@
                     <a:bodyPr/>
                     <a:lstStyle/>
                     <a:p>
-                      <a:endParaRPr lang="id-ID"/>
+                      <a:endParaRPr lang="id-ID" sz="1600">
+                        <a:latin typeface="Roboto Light" panose="02000000000000000000" pitchFamily="2" charset="0"/>
+                        <a:ea typeface="Roboto Light" panose="02000000000000000000" pitchFamily="2" charset="0"/>
+                      </a:endParaRPr>
                     </a:p>
                   </a:txBody>
                   <a:tcPr/>
@@ -9565,7 +9999,10 @@
                     <a:bodyPr/>
                     <a:lstStyle/>
                     <a:p>
-                      <a:endParaRPr lang="id-ID"/>
+                      <a:endParaRPr lang="id-ID" sz="1600">
+                        <a:latin typeface="Roboto Light" panose="02000000000000000000" pitchFamily="2" charset="0"/>
+                        <a:ea typeface="Roboto Light" panose="02000000000000000000" pitchFamily="2" charset="0"/>
+                      </a:endParaRPr>
                     </a:p>
                   </a:txBody>
                   <a:tcPr/>
@@ -9575,7 +10012,10 @@
                     <a:bodyPr/>
                     <a:lstStyle/>
                     <a:p>
-                      <a:endParaRPr lang="id-ID"/>
+                      <a:endParaRPr lang="id-ID" sz="1600">
+                        <a:latin typeface="Roboto Light" panose="02000000000000000000" pitchFamily="2" charset="0"/>
+                        <a:ea typeface="Roboto Light" panose="02000000000000000000" pitchFamily="2" charset="0"/>
+                      </a:endParaRPr>
                     </a:p>
                   </a:txBody>
                   <a:tcPr/>
@@ -9585,7 +10025,10 @@
                     <a:bodyPr/>
                     <a:lstStyle/>
                     <a:p>
-                      <a:endParaRPr lang="id-ID"/>
+                      <a:endParaRPr lang="id-ID" sz="1600">
+                        <a:latin typeface="Roboto Light" panose="02000000000000000000" pitchFamily="2" charset="0"/>
+                        <a:ea typeface="Roboto Light" panose="02000000000000000000" pitchFamily="2" charset="0"/>
+                      </a:endParaRPr>
                     </a:p>
                   </a:txBody>
                   <a:tcPr/>
@@ -9595,7 +10038,10 @@
                     <a:bodyPr/>
                     <a:lstStyle/>
                     <a:p>
-                      <a:endParaRPr lang="id-ID"/>
+                      <a:endParaRPr lang="id-ID" sz="1600">
+                        <a:latin typeface="Roboto Light" panose="02000000000000000000" pitchFamily="2" charset="0"/>
+                        <a:ea typeface="Roboto Light" panose="02000000000000000000" pitchFamily="2" charset="0"/>
+                      </a:endParaRPr>
                     </a:p>
                   </a:txBody>
                   <a:tcPr/>
@@ -9605,7 +10051,10 @@
                     <a:bodyPr/>
                     <a:lstStyle/>
                     <a:p>
-                      <a:endParaRPr lang="id-ID"/>
+                      <a:endParaRPr lang="id-ID" sz="1600">
+                        <a:latin typeface="Roboto Light" panose="02000000000000000000" pitchFamily="2" charset="0"/>
+                        <a:ea typeface="Roboto Light" panose="02000000000000000000" pitchFamily="2" charset="0"/>
+                      </a:endParaRPr>
                     </a:p>
                   </a:txBody>
                   <a:tcPr/>
@@ -9615,7 +10064,10 @@
                     <a:bodyPr/>
                     <a:lstStyle/>
                     <a:p>
-                      <a:endParaRPr lang="id-ID"/>
+                      <a:endParaRPr lang="id-ID" sz="1600">
+                        <a:latin typeface="Roboto Light" panose="02000000000000000000" pitchFamily="2" charset="0"/>
+                        <a:ea typeface="Roboto Light" panose="02000000000000000000" pitchFamily="2" charset="0"/>
+                      </a:endParaRPr>
                     </a:p>
                   </a:txBody>
                   <a:tcPr/>
@@ -9625,7 +10077,10 @@
                     <a:bodyPr/>
                     <a:lstStyle/>
                     <a:p>
-                      <a:endParaRPr lang="id-ID"/>
+                      <a:endParaRPr lang="id-ID" sz="1600">
+                        <a:latin typeface="Roboto Light" panose="02000000000000000000" pitchFamily="2" charset="0"/>
+                        <a:ea typeface="Roboto Light" panose="02000000000000000000" pitchFamily="2" charset="0"/>
+                      </a:endParaRPr>
                     </a:p>
                   </a:txBody>
                   <a:tcPr/>
@@ -9635,7 +10090,10 @@
                     <a:bodyPr/>
                     <a:lstStyle/>
                     <a:p>
-                      <a:endParaRPr lang="id-ID"/>
+                      <a:endParaRPr lang="id-ID" sz="1600">
+                        <a:latin typeface="Roboto Light" panose="02000000000000000000" pitchFamily="2" charset="0"/>
+                        <a:ea typeface="Roboto Light" panose="02000000000000000000" pitchFamily="2" charset="0"/>
+                      </a:endParaRPr>
                     </a:p>
                   </a:txBody>
                   <a:tcPr/>
@@ -9647,10 +10105,16 @@
                     <a:p>
                       <a:pPr algn="ctr"/>
                       <a:r>
-                        <a:rPr lang="id-ID" dirty="0" smtClean="0"/>
+                        <a:rPr lang="id-ID" sz="1600" dirty="0" smtClean="0">
+                          <a:latin typeface="Roboto Light" panose="02000000000000000000" pitchFamily="2" charset="0"/>
+                          <a:ea typeface="Roboto Light" panose="02000000000000000000" pitchFamily="2" charset="0"/>
+                        </a:rPr>
                         <a:t>Edit/Hapus</a:t>
                       </a:r>
-                      <a:endParaRPr lang="id-ID" dirty="0"/>
+                      <a:endParaRPr lang="id-ID" sz="1600" dirty="0">
+                        <a:latin typeface="Roboto Light" panose="02000000000000000000" pitchFamily="2" charset="0"/>
+                        <a:ea typeface="Roboto Light" panose="02000000000000000000" pitchFamily="2" charset="0"/>
+                      </a:endParaRPr>
                     </a:p>
                   </a:txBody>
                   <a:tcPr/>
